--- a/Mini project 2, 2023.pptx
+++ b/Mini project 2, 2023.pptx
@@ -247,7 +247,7 @@
           <a:p>
             <a:fld id="{EC13577B-6902-467D-A26C-08A0DD5E4E03}" type="datetimeFigureOut">
               <a:rPr lang="en-US" smtClean="0"/>
-              <a:t>8/27/2023</a:t>
+              <a:t>8/28/2023</a:t>
             </a:fld>
             <a:endParaRPr lang="en-US"/>
           </a:p>
@@ -800,7 +800,7 @@
           <a:p>
             <a:fld id="{8BEEBAAA-29B5-4AF5-BC5F-7E580C29002D}" type="datetimeFigureOut">
               <a:rPr lang="en-US" smtClean="0"/>
-              <a:t>8/27/2023</a:t>
+              <a:t>8/28/2023</a:t>
             </a:fld>
             <a:endParaRPr lang="en-US"/>
           </a:p>
@@ -1077,7 +1077,7 @@
           <a:p>
             <a:fld id="{8BEEBAAA-29B5-4AF5-BC5F-7E580C29002D}" type="datetimeFigureOut">
               <a:rPr lang="en-US" smtClean="0"/>
-              <a:t>8/27/2023</a:t>
+              <a:t>8/28/2023</a:t>
             </a:fld>
             <a:endParaRPr lang="en-US"/>
           </a:p>
@@ -1359,7 +1359,7 @@
           <a:p>
             <a:fld id="{8BEEBAAA-29B5-4AF5-BC5F-7E580C29002D}" type="datetimeFigureOut">
               <a:rPr lang="en-US" smtClean="0"/>
-              <a:t>8/27/2023</a:t>
+              <a:t>8/28/2023</a:t>
             </a:fld>
             <a:endParaRPr lang="en-US"/>
           </a:p>
@@ -1720,7 +1720,7 @@
           <a:p>
             <a:fld id="{8BEEBAAA-29B5-4AF5-BC5F-7E580C29002D}" type="datetimeFigureOut">
               <a:rPr lang="en-US" smtClean="0"/>
-              <a:t>8/27/2023</a:t>
+              <a:t>8/28/2023</a:t>
             </a:fld>
             <a:endParaRPr lang="en-US"/>
           </a:p>
@@ -2020,7 +2020,7 @@
           <a:p>
             <a:fld id="{8BEEBAAA-29B5-4AF5-BC5F-7E580C29002D}" type="datetimeFigureOut">
               <a:rPr lang="en-US" smtClean="0"/>
-              <a:t>8/27/2023</a:t>
+              <a:t>8/28/2023</a:t>
             </a:fld>
             <a:endParaRPr lang="en-US"/>
           </a:p>
@@ -2535,7 +2535,7 @@
           <a:p>
             <a:fld id="{8BEEBAAA-29B5-4AF5-BC5F-7E580C29002D}" type="datetimeFigureOut">
               <a:rPr lang="en-US" smtClean="0"/>
-              <a:t>8/27/2023</a:t>
+              <a:t>8/28/2023</a:t>
             </a:fld>
             <a:endParaRPr lang="en-US"/>
           </a:p>
@@ -3180,7 +3180,7 @@
           <a:p>
             <a:fld id="{8BEEBAAA-29B5-4AF5-BC5F-7E580C29002D}" type="datetimeFigureOut">
               <a:rPr lang="en-US" smtClean="0"/>
-              <a:t>8/27/2023</a:t>
+              <a:t>8/28/2023</a:t>
             </a:fld>
             <a:endParaRPr lang="en-US"/>
           </a:p>
@@ -3405,7 +3405,7 @@
           <a:p>
             <a:fld id="{8BEEBAAA-29B5-4AF5-BC5F-7E580C29002D}" type="datetimeFigureOut">
               <a:rPr lang="en-US" smtClean="0"/>
-              <a:t>8/27/2023</a:t>
+              <a:t>8/28/2023</a:t>
             </a:fld>
             <a:endParaRPr lang="en-US"/>
           </a:p>
@@ -3546,7 +3546,7 @@
           <a:p>
             <a:fld id="{8BEEBAAA-29B5-4AF5-BC5F-7E580C29002D}" type="datetimeFigureOut">
               <a:rPr lang="en-US" smtClean="0"/>
-              <a:t>8/27/2023</a:t>
+              <a:t>8/28/2023</a:t>
             </a:fld>
             <a:endParaRPr lang="en-US"/>
           </a:p>
@@ -3883,7 +3883,7 @@
           <a:p>
             <a:fld id="{8BEEBAAA-29B5-4AF5-BC5F-7E580C29002D}" type="datetimeFigureOut">
               <a:rPr lang="en-US" smtClean="0"/>
-              <a:t>8/27/2023</a:t>
+              <a:t>8/28/2023</a:t>
             </a:fld>
             <a:endParaRPr lang="en-US"/>
           </a:p>
@@ -4140,7 +4140,7 @@
           <a:p>
             <a:fld id="{8BEEBAAA-29B5-4AF5-BC5F-7E580C29002D}" type="datetimeFigureOut">
               <a:rPr lang="en-US" smtClean="0"/>
-              <a:t>8/27/2023</a:t>
+              <a:t>8/28/2023</a:t>
             </a:fld>
             <a:endParaRPr lang="en-US"/>
           </a:p>
@@ -4353,7 +4353,7 @@
           <a:p>
             <a:fld id="{8BEEBAAA-29B5-4AF5-BC5F-7E580C29002D}" type="datetimeFigureOut">
               <a:rPr lang="en-US" smtClean="0"/>
-              <a:t>8/27/2023</a:t>
+              <a:t>8/28/2023</a:t>
             </a:fld>
             <a:endParaRPr lang="en-US"/>
           </a:p>
@@ -6646,6 +6646,10 @@
           <a:lstStyle/>
           <a:p>
             <a:r>
+              <a:rPr lang="en-SG" dirty="0" smtClean="0"/>
+              <a:t>Correlation </a:t>
+            </a:r>
+            <a:r>
               <a:rPr lang="en-SG" dirty="0" err="1" smtClean="0"/>
               <a:t>HeatMap</a:t>
             </a:r>
@@ -7674,7 +7678,6 @@
               <a:rPr lang="en-SG" dirty="0"/>
               <a:t>a classification model to predict stroke (= 1 if a person had a stroke else 0). </a:t>
             </a:r>
-            <a:endParaRPr lang="en-SG" dirty="0"/>
           </a:p>
         </p:txBody>
       </p:sp>
@@ -9254,15 +9257,6 @@
 </file>
 
 <file path=customXml/item2.xml><?xml version="1.0" encoding="utf-8"?>
-<?mso-contentType ?>
-<FormTemplates xmlns="http://schemas.microsoft.com/sharepoint/v3/contenttype/forms">
-  <Display>DocumentLibraryForm</Display>
-  <Edit>AssetEditForm</Edit>
-  <New>DocumentLibraryForm</New>
-</FormTemplates>
-</file>
-
-<file path=customXml/item3.xml><?xml version="1.0" encoding="utf-8"?>
 <ct:contentTypeSchema xmlns:ct="http://schemas.microsoft.com/office/2006/metadata/contentType" xmlns:ma="http://schemas.microsoft.com/office/2006/metadata/properties/metaAttributes" ct:_="" ma:_="" ma:contentTypeName="TemplateFile" ma:contentTypeID="0x0101006EDDDB5EE6D98C44930B742096920B300400F5B6D36B3EF94B4E9A635CDF2A18F5B8" ma:contentTypeVersion="72" ma:contentTypeDescription="Create a new document." ma:contentTypeScope="" ma:versionID="a23e56308344d904b51738559c3d67c9">
   <xsd:schema xmlns:xsd="http://www.w3.org/2001/XMLSchema" xmlns:xs="http://www.w3.org/2001/XMLSchema" xmlns:p="http://schemas.microsoft.com/office/2006/metadata/properties" xmlns:ns2="4873beb7-5857-4685-be1f-d57550cc96cc" targetNamespace="http://schemas.microsoft.com/office/2006/metadata/properties" ma:root="true" ma:fieldsID="cd0908cc4600e77bf5da051303e00c8d" ns2:_="">
     <xsd:import namespace="4873beb7-5857-4685-be1f-d57550cc96cc"/>
@@ -10302,6 +10296,15 @@
 </ct:contentTypeSchema>
 </file>
 
+<file path=customXml/item3.xml><?xml version="1.0" encoding="utf-8"?>
+<?mso-contentType ?>
+<FormTemplates xmlns="http://schemas.microsoft.com/sharepoint/v3/contenttype/forms">
+  <Display>DocumentLibraryForm</Display>
+  <Edit>AssetEditForm</Edit>
+  <New>DocumentLibraryForm</New>
+</FormTemplates>
+</file>
+
 <file path=customXml/itemProps1.xml><?xml version="1.0" encoding="utf-8"?>
 <ds:datastoreItem xmlns:ds="http://schemas.openxmlformats.org/officeDocument/2006/customXml" ds:itemID="{B970C04F-E7AC-41AB-9C6D-1B1BB88BFF7F}">
   <ds:schemaRefs>
@@ -10313,14 +10316,6 @@
 </file>
 
 <file path=customXml/itemProps2.xml><?xml version="1.0" encoding="utf-8"?>
-<ds:datastoreItem xmlns:ds="http://schemas.openxmlformats.org/officeDocument/2006/customXml" ds:itemID="{C3DEC53A-9DF1-4780-BE92-17E971B7A9ED}">
-  <ds:schemaRefs>
-    <ds:schemaRef ds:uri="http://schemas.microsoft.com/sharepoint/v3/contenttype/forms"/>
-  </ds:schemaRefs>
-</ds:datastoreItem>
-</file>
-
-<file path=customXml/itemProps3.xml><?xml version="1.0" encoding="utf-8"?>
 <ds:datastoreItem xmlns:ds="http://schemas.openxmlformats.org/officeDocument/2006/customXml" ds:itemID="{63EE7759-C66F-4EA4-9863-7EBA32518D3D}">
   <ds:schemaRefs>
     <ds:schemaRef ds:uri="http://schemas.microsoft.com/office/2006/metadata/contentType"/>
@@ -10336,4 +10331,12 @@
     <ds:schemaRef ds:uri="http://schemas.microsoft.com/internal/obd"/>
   </ds:schemaRefs>
 </ds:datastoreItem>
+</file>
+
+<file path=customXml/itemProps3.xml><?xml version="1.0" encoding="utf-8"?>
+<ds:datastoreItem xmlns:ds="http://schemas.openxmlformats.org/officeDocument/2006/customXml" ds:itemID="{C3DEC53A-9DF1-4780-BE92-17E971B7A9ED}">
+  <ds:schemaRefs>
+    <ds:schemaRef ds:uri="http://schemas.microsoft.com/sharepoint/v3/contenttype/forms"/>
+  </ds:schemaRefs>
+</ds:datastoreItem>
 </file>